--- a/Advanced_Course/PPT/2-2. [Done][Advanced] Storage.pptx
+++ b/Advanced_Course/PPT/2-2. [Done][Advanced] Storage.pptx
@@ -49,21 +49,21 @@
   <p:notesSz cx="6858000" cy="9144000"/>
   <p:embeddedFontLst>
     <p:embeddedFont>
+      <p:font typeface="LG스마트체2.0 SemiBold" panose="020B0600000101010101" pitchFamily="50" charset="-127"/>
+      <p:bold r:id="rId39"/>
+    </p:embeddedFont>
+    <p:embeddedFont>
       <p:font typeface="맑은 고딕" panose="020B0503020000020004" pitchFamily="50" charset="-127"/>
-      <p:regular r:id="rId39"/>
-      <p:bold r:id="rId40"/>
+      <p:regular r:id="rId40"/>
+      <p:bold r:id="rId41"/>
     </p:embeddedFont>
     <p:embeddedFont>
       <p:font typeface="LG스마트체2.0 Regular" panose="020B0600000101010101" pitchFamily="50" charset="-127"/>
-      <p:regular r:id="rId41"/>
+      <p:regular r:id="rId42"/>
     </p:embeddedFont>
     <p:embeddedFont>
       <p:font typeface="LG스마트체 Regular" panose="020B0600000101010101" pitchFamily="50" charset="-127"/>
-      <p:regular r:id="rId42"/>
-    </p:embeddedFont>
-    <p:embeddedFont>
-      <p:font typeface="LG스마트체2.0 SemiBold" panose="020B0600000101010101" pitchFamily="50" charset="-127"/>
-      <p:bold r:id="rId43"/>
+      <p:regular r:id="rId43"/>
     </p:embeddedFont>
     <p:embeddedFont>
       <p:font typeface="Calibri" panose="020F0502020204030204" pitchFamily="34" charset="0"/>
@@ -341,7 +341,7 @@
           <a:p>
             <a:fld id="{5AA69328-47E5-4670-AC66-C1B7A8B2B5A4}" type="datetimeFigureOut">
               <a:rPr lang="ko-KR" altLang="en-US" smtClean="0"/>
-              <a:t>2024-06-20</a:t>
+              <a:t>2024-06-21</a:t>
             </a:fld>
             <a:endParaRPr lang="ko-KR" altLang="en-US"/>
           </a:p>
@@ -3731,7 +3731,7 @@
             <a:fld id="{1D8BD707-D9CF-40AE-B4C6-C98DA3205C09}" type="datetimeFigureOut">
               <a:rPr lang="en-US" smtClean="0"/>
               <a:pPr/>
-              <a:t>6/20/2024</a:t>
+              <a:t>6/21/2024</a:t>
             </a:fld>
             <a:endParaRPr lang="en-US"/>
           </a:p>
@@ -3898,7 +3898,7 @@
             <a:fld id="{1D8BD707-D9CF-40AE-B4C6-C98DA3205C09}" type="datetimeFigureOut">
               <a:rPr lang="en-US" smtClean="0"/>
               <a:pPr/>
-              <a:t>6/20/2024</a:t>
+              <a:t>6/21/2024</a:t>
             </a:fld>
             <a:endParaRPr lang="en-US"/>
           </a:p>
@@ -4075,7 +4075,7 @@
             <a:fld id="{1D8BD707-D9CF-40AE-B4C6-C98DA3205C09}" type="datetimeFigureOut">
               <a:rPr lang="en-US" smtClean="0"/>
               <a:pPr/>
-              <a:t>6/20/2024</a:t>
+              <a:t>6/21/2024</a:t>
             </a:fld>
             <a:endParaRPr lang="en-US"/>
           </a:p>
@@ -4242,7 +4242,7 @@
             <a:fld id="{1D8BD707-D9CF-40AE-B4C6-C98DA3205C09}" type="datetimeFigureOut">
               <a:rPr lang="en-US" smtClean="0"/>
               <a:pPr/>
-              <a:t>6/20/2024</a:t>
+              <a:t>6/21/2024</a:t>
             </a:fld>
             <a:endParaRPr lang="en-US"/>
           </a:p>
@@ -4485,7 +4485,7 @@
             <a:fld id="{1D8BD707-D9CF-40AE-B4C6-C98DA3205C09}" type="datetimeFigureOut">
               <a:rPr lang="en-US" smtClean="0"/>
               <a:pPr/>
-              <a:t>6/20/2024</a:t>
+              <a:t>6/21/2024</a:t>
             </a:fld>
             <a:endParaRPr lang="en-US"/>
           </a:p>
@@ -4770,7 +4770,7 @@
             <a:fld id="{1D8BD707-D9CF-40AE-B4C6-C98DA3205C09}" type="datetimeFigureOut">
               <a:rPr lang="en-US" smtClean="0"/>
               <a:pPr/>
-              <a:t>6/20/2024</a:t>
+              <a:t>6/21/2024</a:t>
             </a:fld>
             <a:endParaRPr lang="en-US"/>
           </a:p>
@@ -5189,7 +5189,7 @@
             <a:fld id="{1D8BD707-D9CF-40AE-B4C6-C98DA3205C09}" type="datetimeFigureOut">
               <a:rPr lang="en-US" smtClean="0"/>
               <a:pPr/>
-              <a:t>6/20/2024</a:t>
+              <a:t>6/21/2024</a:t>
             </a:fld>
             <a:endParaRPr lang="en-US"/>
           </a:p>
@@ -5304,7 +5304,7 @@
             <a:fld id="{1D8BD707-D9CF-40AE-B4C6-C98DA3205C09}" type="datetimeFigureOut">
               <a:rPr lang="en-US" smtClean="0"/>
               <a:pPr/>
-              <a:t>6/20/2024</a:t>
+              <a:t>6/21/2024</a:t>
             </a:fld>
             <a:endParaRPr lang="en-US"/>
           </a:p>
@@ -5396,7 +5396,7 @@
             <a:fld id="{1D8BD707-D9CF-40AE-B4C6-C98DA3205C09}" type="datetimeFigureOut">
               <a:rPr lang="en-US" smtClean="0"/>
               <a:pPr/>
-              <a:t>6/20/2024</a:t>
+              <a:t>6/21/2024</a:t>
             </a:fld>
             <a:endParaRPr lang="en-US"/>
           </a:p>
@@ -5670,7 +5670,7 @@
             <a:fld id="{1D8BD707-D9CF-40AE-B4C6-C98DA3205C09}" type="datetimeFigureOut">
               <a:rPr lang="en-US" smtClean="0"/>
               <a:pPr/>
-              <a:t>6/20/2024</a:t>
+              <a:t>6/21/2024</a:t>
             </a:fld>
             <a:endParaRPr lang="en-US"/>
           </a:p>
@@ -5920,7 +5920,7 @@
             <a:fld id="{1D8BD707-D9CF-40AE-B4C6-C98DA3205C09}" type="datetimeFigureOut">
               <a:rPr lang="en-US" smtClean="0"/>
               <a:pPr/>
-              <a:t>6/20/2024</a:t>
+              <a:t>6/21/2024</a:t>
             </a:fld>
             <a:endParaRPr lang="en-US"/>
           </a:p>
@@ -6130,7 +6130,7 @@
             <a:fld id="{1D8BD707-D9CF-40AE-B4C6-C98DA3205C09}" type="datetimeFigureOut">
               <a:rPr lang="en-US" smtClean="0"/>
               <a:pPr/>
-              <a:t>6/20/2024</a:t>
+              <a:t>6/21/2024</a:t>
             </a:fld>
             <a:endParaRPr lang="en-US"/>
           </a:p>
@@ -6724,7 +6724,7 @@
             <a:blip r:embed="rId3">
               <a:extLst>
                 <a:ext uri="{96DAC541-7B7A-43D3-8B79-37D633B846F1}">
-                  <asvg:svgBlip xmlns:asvg="http://schemas.microsoft.com/office/drawing/2016/SVG/main" xmlns="" r:embed="rId4"/>
+                  <asvg:svgBlip xmlns="" xmlns:asvg="http://schemas.microsoft.com/office/drawing/2016/SVG/main" r:embed="rId4"/>
                 </a:ext>
               </a:extLst>
             </a:blip>
@@ -9188,7 +9188,7 @@
         <p:spPr>
           <a:xfrm>
             <a:off x="6840134" y="2312963"/>
-            <a:ext cx="9144000" cy="5493812"/>
+            <a:ext cx="9144000" cy="5539978"/>
           </a:xfrm>
           <a:prstGeom prst="rect">
             <a:avLst/>
@@ -9464,36 +9464,28 @@
               <a:buChar char="•"/>
             </a:pPr>
             <a:r>
-              <a:rPr lang="en-US" altLang="ko-KR" sz="3000" dirty="0">
+              <a:rPr lang="ko-KR" altLang="ko-KR" sz="3200" b="1" dirty="0">
                 <a:solidFill>
-                  <a:srgbClr val="C00000"/>
+                  <a:srgbClr val="2A5BD7"/>
                 </a:solidFill>
+                <a:latin typeface="Arial" panose="020B0604020202020204" pitchFamily="34" charset="0"/>
+                <a:ea typeface="proxima nova"/>
+                <a:hlinkClick r:id="rId5"/>
               </a:rPr>
-              <a:t>https://gist.github.com/mibu82</a:t>
-            </a:r>
-            <a:r>
-              <a:rPr lang="en-US" altLang="ko-KR" sz="3000" dirty="0" smtClean="0">
-                <a:solidFill>
-                  <a:srgbClr val="C00000"/>
-                </a:solidFill>
-              </a:rPr>
-              <a:t>/</a:t>
-            </a:r>
-            <a:br>
-              <a:rPr lang="en-US" altLang="ko-KR" sz="3000" dirty="0" smtClean="0">
-                <a:solidFill>
-                  <a:srgbClr val="C00000"/>
-                </a:solidFill>
-              </a:rPr>
-            </a:br>
-            <a:r>
-              <a:rPr lang="en-US" altLang="ko-KR" sz="3000" dirty="0" smtClean="0">
-                <a:solidFill>
-                  <a:srgbClr val="C00000"/>
-                </a:solidFill>
-              </a:rPr>
-              <a:t>29bcf2e3efa316df1a37f02f5b4578c5</a:t>
-            </a:r>
+              <a:t>bit.ly/db8_gist</a:t>
+            </a:r>
+            <a:endParaRPr lang="ko-KR" altLang="ko-KR" sz="3200" dirty="0">
+              <a:latin typeface="Arial" panose="020B0604020202020204" pitchFamily="34" charset="0"/>
+            </a:endParaRPr>
+          </a:p>
+          <a:p>
+            <a:pPr marL="719138" lvl="1" indent="-261938">
+              <a:lnSpc>
+                <a:spcPct val="150000"/>
+              </a:lnSpc>
+              <a:buFont typeface="Arial" panose="020B0604020202020204" pitchFamily="34" charset="0"/>
+              <a:buChar char="•"/>
+            </a:pPr>
             <a:endParaRPr lang="ko-KR" altLang="en-US" sz="3000" dirty="0">
               <a:solidFill>
                 <a:srgbClr val="C00000"/>
@@ -14829,7 +14821,7 @@
             <a:blip r:embed="rId2">
               <a:extLst>
                 <a:ext uri="{96DAC541-7B7A-43D3-8B79-37D633B846F1}">
-                  <asvg:svgBlip xmlns="" xmlns:asvg="http://schemas.microsoft.com/office/drawing/2016/SVG/main" r:embed="rId3"/>
+                  <asvg:svgBlip xmlns:asvg="http://schemas.microsoft.com/office/drawing/2016/SVG/main" xmlns="" r:embed="rId3"/>
                 </a:ext>
               </a:extLst>
             </a:blip>
@@ -14844,7 +14836,7 @@
           <p:cNvPr id="11" name="TextBox 10">
             <a:extLst>
               <a:ext uri="{FF2B5EF4-FFF2-40B4-BE49-F238E27FC236}">
-                <a16:creationId xmlns:a16="http://schemas.microsoft.com/office/drawing/2014/main" xmlns="" id="{CA6DB5DC-6984-4FDE-B64E-BD10AA2E52A4}"/>
+                <a16:creationId xmlns="" xmlns:a16="http://schemas.microsoft.com/office/drawing/2014/main" id="{CA6DB5DC-6984-4FDE-B64E-BD10AA2E52A4}"/>
               </a:ext>
             </a:extLst>
           </p:cNvPr>
@@ -14922,7 +14914,7 @@
           <p:cNvPr id="15" name="TextBox 14">
             <a:extLst>
               <a:ext uri="{FF2B5EF4-FFF2-40B4-BE49-F238E27FC236}">
-                <a16:creationId xmlns:a16="http://schemas.microsoft.com/office/drawing/2014/main" xmlns="" id="{634BF8E0-E4D2-4D58-909E-A86F54AD7EE2}"/>
+                <a16:creationId xmlns="" xmlns:a16="http://schemas.microsoft.com/office/drawing/2014/main" id="{634BF8E0-E4D2-4D58-909E-A86F54AD7EE2}"/>
               </a:ext>
             </a:extLst>
           </p:cNvPr>
@@ -17278,7 +17270,7 @@
           <p:nvPr/>
         </p:nvPicPr>
         <p:blipFill>
-          <a:blip r:embed="rId3">
+          <a:blip r:embed="rId4">
             <a:extLst>
               <a:ext uri="{28A0092B-C50C-407E-A947-70E740481C1C}">
                 <a14:useLocalDpi xmlns:a14="http://schemas.microsoft.com/office/drawing/2010/main" val="0"/>
@@ -17496,7 +17488,7 @@
         <p:spPr>
           <a:xfrm>
             <a:off x="6840134" y="2364407"/>
-            <a:ext cx="10457266" cy="4662815"/>
+            <a:ext cx="10457266" cy="4016484"/>
           </a:xfrm>
           <a:prstGeom prst="rect">
             <a:avLst/>
@@ -17671,7 +17663,7 @@
               <a:rPr lang="en-US" altLang="ko-KR" sz="2000" dirty="0" err="1" smtClean="0">
                 <a:latin typeface="LG스마트체2.0 Regular" panose="020B0600000101010101" pitchFamily="50" charset="-127"/>
                 <a:ea typeface="LG스마트체2.0 Regular" panose="020B0600000101010101" pitchFamily="50" charset="-127"/>
-                <a:hlinkClick r:id="rId4"/>
+                <a:hlinkClick r:id="rId5"/>
               </a:rPr>
               <a:t>com.webos.service.storageaccess</a:t>
             </a:r>
@@ -17679,17 +17671,9 @@
               <a:rPr lang="en-US" altLang="ko-KR" sz="2000" dirty="0" smtClean="0">
                 <a:latin typeface="LG스마트체2.0 Regular" panose="020B0600000101010101" pitchFamily="50" charset="-127"/>
                 <a:ea typeface="LG스마트체2.0 Regular" panose="020B0600000101010101" pitchFamily="50" charset="-127"/>
-                <a:hlinkClick r:id="rId4"/>
+                <a:hlinkClick r:id="rId5"/>
               </a:rPr>
-              <a:t> </a:t>
-            </a:r>
-            <a:r>
-              <a:rPr lang="en-US" altLang="ko-KR" sz="2000" dirty="0" smtClean="0">
-                <a:latin typeface="LG스마트체2.0 Regular" panose="020B0600000101010101" pitchFamily="50" charset="-127"/>
-                <a:ea typeface="LG스마트체2.0 Regular" panose="020B0600000101010101" pitchFamily="50" charset="-127"/>
-                <a:hlinkClick r:id="rId4"/>
-              </a:rPr>
-              <a:t>API</a:t>
+              <a:t> API</a:t>
             </a:r>
             <a:endParaRPr lang="en-US" altLang="ko-KR" sz="2000" dirty="0" smtClean="0">
               <a:latin typeface="LG스마트체2.0 Regular" panose="020B0600000101010101" pitchFamily="50" charset="-127"/>
@@ -17705,43 +17689,16 @@
               <a:buChar char="•"/>
             </a:pPr>
             <a:r>
-              <a:rPr lang="en-US" altLang="ko-KR" sz="3000" dirty="0">
-                <a:solidFill>
-                  <a:srgbClr val="C00000"/>
-                </a:solidFill>
-                <a:latin typeface="LG스마트체2.0 Regular" panose="020B0600000101010101" pitchFamily="50" charset="-127"/>
-                <a:ea typeface="LG스마트체2.0 Regular" panose="020B0600000101010101" pitchFamily="50" charset="-127"/>
+              <a:rPr lang="en-US" altLang="ko-KR" sz="3200" b="1" dirty="0" smtClean="0">
+                <a:hlinkClick r:id="rId6"/>
               </a:rPr>
-              <a:t>https://gist.github.com/mibu82</a:t>
-            </a:r>
-            <a:r>
-              <a:rPr lang="en-US" altLang="ko-KR" sz="3000" dirty="0" smtClean="0">
-                <a:solidFill>
-                  <a:srgbClr val="C00000"/>
-                </a:solidFill>
-                <a:latin typeface="LG스마트체2.0 Regular" panose="020B0600000101010101" pitchFamily="50" charset="-127"/>
-                <a:ea typeface="LG스마트체2.0 Regular" panose="020B0600000101010101" pitchFamily="50" charset="-127"/>
+              <a:t>bit.ly/</a:t>
+            </a:r>
+            <a:r>
+              <a:rPr lang="en-US" altLang="ko-KR" sz="3200" b="1" dirty="0" err="1" smtClean="0">
+                <a:hlinkClick r:id="rId6"/>
               </a:rPr>
-              <a:t>/</a:t>
-            </a:r>
-            <a:br>
-              <a:rPr lang="en-US" altLang="ko-KR" sz="3000" dirty="0" smtClean="0">
-                <a:solidFill>
-                  <a:srgbClr val="C00000"/>
-                </a:solidFill>
-                <a:latin typeface="LG스마트체2.0 Regular" panose="020B0600000101010101" pitchFamily="50" charset="-127"/>
-                <a:ea typeface="LG스마트체2.0 Regular" panose="020B0600000101010101" pitchFamily="50" charset="-127"/>
-              </a:rPr>
-            </a:br>
-            <a:r>
-              <a:rPr lang="en-US" altLang="ko-KR" sz="3000" dirty="0" smtClean="0">
-                <a:solidFill>
-                  <a:srgbClr val="C00000"/>
-                </a:solidFill>
-                <a:latin typeface="LG스마트체2.0 Regular" panose="020B0600000101010101" pitchFamily="50" charset="-127"/>
-                <a:ea typeface="LG스마트체2.0 Regular" panose="020B0600000101010101" pitchFamily="50" charset="-127"/>
-              </a:rPr>
-              <a:t>d70653e49e15b8803fa94f4aabdf3480</a:t>
+              <a:t>externalStorage_gist</a:t>
             </a:r>
             <a:endParaRPr lang="en-US" altLang="ko-KR" sz="3000" dirty="0" smtClean="0">
               <a:solidFill>
@@ -24344,28 +24301,7 @@
                   <a:latin typeface="LG스마트체 Regular" panose="020B0600000101010101" pitchFamily="50" charset="-127"/>
                   <a:ea typeface="LG스마트체 Regular" panose="020B0600000101010101" pitchFamily="50" charset="-127"/>
                 </a:rPr>
-                <a:t>앱 </a:t>
-              </a:r>
-              <a:r>
-                <a:rPr lang="en-US" altLang="ko-KR" sz="2300" b="1" dirty="0" smtClean="0">
-                  <a:latin typeface="LG스마트체 Regular" panose="020B0600000101010101" pitchFamily="50" charset="-127"/>
-                  <a:ea typeface="LG스마트체 Regular" panose="020B0600000101010101" pitchFamily="50" charset="-127"/>
-                </a:rPr>
-                <a:t>(30</a:t>
-              </a:r>
-              <a:r>
-                <a:rPr lang="ko-KR" altLang="en-US" sz="2300" b="1" smtClean="0">
-                  <a:latin typeface="LG스마트체 Regular" panose="020B0600000101010101" pitchFamily="50" charset="-127"/>
-                  <a:ea typeface="LG스마트체 Regular" panose="020B0600000101010101" pitchFamily="50" charset="-127"/>
-                </a:rPr>
-                <a:t>분</a:t>
-              </a:r>
-              <a:r>
-                <a:rPr lang="en-US" altLang="ko-KR" sz="2300" b="1" dirty="0" smtClean="0">
-                  <a:latin typeface="LG스마트체 Regular" panose="020B0600000101010101" pitchFamily="50" charset="-127"/>
-                  <a:ea typeface="LG스마트체 Regular" panose="020B0600000101010101" pitchFamily="50" charset="-127"/>
-                </a:rPr>
-                <a:t>)</a:t>
+                <a:t>앱</a:t>
               </a:r>
               <a:endParaRPr lang="ko-KR" altLang="en-US" sz="2300" b="1" dirty="0">
                 <a:latin typeface="LG스마트체 Regular" panose="020B0600000101010101" pitchFamily="50" charset="-127"/>
@@ -24470,7 +24406,7 @@
         <p:spPr>
           <a:xfrm>
             <a:off x="6840134" y="2364407"/>
-            <a:ext cx="10076266" cy="4708981"/>
+            <a:ext cx="10076266" cy="4062651"/>
           </a:xfrm>
           <a:prstGeom prst="rect">
             <a:avLst/>
@@ -24747,15 +24683,7 @@
                 <a:ea typeface="LG스마트체2.0 Regular" panose="020B0600000101010101" pitchFamily="50" charset="-127"/>
                 <a:hlinkClick r:id="rId4"/>
               </a:rPr>
-              <a:t>사용 </a:t>
-            </a:r>
-            <a:r>
-              <a:rPr lang="ko-KR" altLang="en-US" sz="2000" smtClean="0">
-                <a:latin typeface="LG스마트체2.0 Regular" panose="020B0600000101010101" pitchFamily="50" charset="-127"/>
-                <a:ea typeface="LG스마트체2.0 Regular" panose="020B0600000101010101" pitchFamily="50" charset="-127"/>
-                <a:hlinkClick r:id="rId4"/>
-              </a:rPr>
-              <a:t>예제</a:t>
+              <a:t>사용 예제</a:t>
             </a:r>
             <a:endParaRPr lang="en-US" altLang="ko-KR" sz="2000" dirty="0" smtClean="0">
               <a:latin typeface="LG스마트체2.0 Regular" panose="020B0600000101010101" pitchFamily="50" charset="-127"/>
@@ -24771,43 +24699,16 @@
               <a:buChar char="•"/>
             </a:pPr>
             <a:r>
-              <a:rPr lang="en-US" altLang="ko-KR" sz="3000" dirty="0">
-                <a:solidFill>
-                  <a:srgbClr val="C00000"/>
-                </a:solidFill>
-                <a:latin typeface="LG스마트체2.0 Regular" panose="020B0600000101010101" pitchFamily="50" charset="-127"/>
-                <a:ea typeface="LG스마트체2.0 Regular" panose="020B0600000101010101" pitchFamily="50" charset="-127"/>
+              <a:rPr lang="en-US" altLang="ko-KR" sz="3200" b="1" dirty="0" smtClean="0">
+                <a:hlinkClick r:id="rId5"/>
               </a:rPr>
-              <a:t>https://gist.github.com/mibu82</a:t>
-            </a:r>
-            <a:r>
-              <a:rPr lang="en-US" altLang="ko-KR" sz="3000" dirty="0" smtClean="0">
-                <a:solidFill>
-                  <a:srgbClr val="C00000"/>
-                </a:solidFill>
-                <a:latin typeface="LG스마트체2.0 Regular" panose="020B0600000101010101" pitchFamily="50" charset="-127"/>
-                <a:ea typeface="LG스마트체2.0 Regular" panose="020B0600000101010101" pitchFamily="50" charset="-127"/>
+              <a:t>bit.ly/</a:t>
+            </a:r>
+            <a:r>
+              <a:rPr lang="en-US" altLang="ko-KR" sz="3200" b="1" dirty="0" err="1" smtClean="0">
+                <a:hlinkClick r:id="rId5"/>
               </a:rPr>
-              <a:t>/</a:t>
-            </a:r>
-            <a:br>
-              <a:rPr lang="en-US" altLang="ko-KR" sz="3000" dirty="0" smtClean="0">
-                <a:solidFill>
-                  <a:srgbClr val="C00000"/>
-                </a:solidFill>
-                <a:latin typeface="LG스마트체2.0 Regular" panose="020B0600000101010101" pitchFamily="50" charset="-127"/>
-                <a:ea typeface="LG스마트체2.0 Regular" panose="020B0600000101010101" pitchFamily="50" charset="-127"/>
-              </a:rPr>
-            </a:br>
-            <a:r>
-              <a:rPr lang="en-US" altLang="ko-KR" sz="3000" dirty="0" smtClean="0">
-                <a:solidFill>
-                  <a:srgbClr val="C00000"/>
-                </a:solidFill>
-                <a:latin typeface="LG스마트체2.0 Regular" panose="020B0600000101010101" pitchFamily="50" charset="-127"/>
-                <a:ea typeface="LG스마트체2.0 Regular" panose="020B0600000101010101" pitchFamily="50" charset="-127"/>
-              </a:rPr>
-              <a:t>dd6fdc80a703e6726870951d2978656a</a:t>
+              <a:t>localStorage_gist</a:t>
             </a:r>
             <a:endParaRPr lang="en-US" altLang="ko-KR" sz="3000" dirty="0" smtClean="0">
               <a:solidFill>
@@ -27619,7 +27520,7 @@
             <a:blip r:embed="rId3">
               <a:extLst>
                 <a:ext uri="{96DAC541-7B7A-43D3-8B79-37D633B846F1}">
-                  <asvg:svgBlip xmlns:asvg="http://schemas.microsoft.com/office/drawing/2016/SVG/main" xmlns="" r:embed="rId4"/>
+                  <asvg:svgBlip xmlns="" xmlns:asvg="http://schemas.microsoft.com/office/drawing/2016/SVG/main" r:embed="rId4"/>
                 </a:ext>
               </a:extLst>
             </a:blip>
@@ -27671,7 +27572,7 @@
             <a:blip r:embed="rId5">
               <a:extLst>
                 <a:ext uri="{96DAC541-7B7A-43D3-8B79-37D633B846F1}">
-                  <asvg:svgBlip xmlns:asvg="http://schemas.microsoft.com/office/drawing/2016/SVG/main" xmlns="" r:embed="rId6"/>
+                  <asvg:svgBlip xmlns="" xmlns:asvg="http://schemas.microsoft.com/office/drawing/2016/SVG/main" r:embed="rId6"/>
                 </a:ext>
               </a:extLst>
             </a:blip>
